--- a/mhw1.pptx
+++ b/mhw1.pptx
@@ -267,7 +267,7 @@
           <a:p>
             <a:fld id="{28E7F674-603F-41F3-934F-DEBA0B6F74B4}" type="datetimeFigureOut">
               <a:rPr lang="it-IT" smtClean="0"/>
-              <a:t>25/03/2022</a:t>
+              <a:t>31/03/2022</a:t>
             </a:fld>
             <a:endParaRPr lang="it-IT"/>
           </a:p>
@@ -467,7 +467,7 @@
           <a:p>
             <a:fld id="{28E7F674-603F-41F3-934F-DEBA0B6F74B4}" type="datetimeFigureOut">
               <a:rPr lang="it-IT" smtClean="0"/>
-              <a:t>25/03/2022</a:t>
+              <a:t>31/03/2022</a:t>
             </a:fld>
             <a:endParaRPr lang="it-IT"/>
           </a:p>
@@ -677,7 +677,7 @@
           <a:p>
             <a:fld id="{28E7F674-603F-41F3-934F-DEBA0B6F74B4}" type="datetimeFigureOut">
               <a:rPr lang="it-IT" smtClean="0"/>
-              <a:t>25/03/2022</a:t>
+              <a:t>31/03/2022</a:t>
             </a:fld>
             <a:endParaRPr lang="it-IT"/>
           </a:p>
@@ -877,7 +877,7 @@
           <a:p>
             <a:fld id="{28E7F674-603F-41F3-934F-DEBA0B6F74B4}" type="datetimeFigureOut">
               <a:rPr lang="it-IT" smtClean="0"/>
-              <a:t>25/03/2022</a:t>
+              <a:t>31/03/2022</a:t>
             </a:fld>
             <a:endParaRPr lang="it-IT"/>
           </a:p>
@@ -1153,7 +1153,7 @@
           <a:p>
             <a:fld id="{28E7F674-603F-41F3-934F-DEBA0B6F74B4}" type="datetimeFigureOut">
               <a:rPr lang="it-IT" smtClean="0"/>
-              <a:t>25/03/2022</a:t>
+              <a:t>31/03/2022</a:t>
             </a:fld>
             <a:endParaRPr lang="it-IT"/>
           </a:p>
@@ -1421,7 +1421,7 @@
           <a:p>
             <a:fld id="{28E7F674-603F-41F3-934F-DEBA0B6F74B4}" type="datetimeFigureOut">
               <a:rPr lang="it-IT" smtClean="0"/>
-              <a:t>25/03/2022</a:t>
+              <a:t>31/03/2022</a:t>
             </a:fld>
             <a:endParaRPr lang="it-IT"/>
           </a:p>
@@ -1836,7 +1836,7 @@
           <a:p>
             <a:fld id="{28E7F674-603F-41F3-934F-DEBA0B6F74B4}" type="datetimeFigureOut">
               <a:rPr lang="it-IT" smtClean="0"/>
-              <a:t>25/03/2022</a:t>
+              <a:t>31/03/2022</a:t>
             </a:fld>
             <a:endParaRPr lang="it-IT"/>
           </a:p>
@@ -1978,7 +1978,7 @@
           <a:p>
             <a:fld id="{28E7F674-603F-41F3-934F-DEBA0B6F74B4}" type="datetimeFigureOut">
               <a:rPr lang="it-IT" smtClean="0"/>
-              <a:t>25/03/2022</a:t>
+              <a:t>31/03/2022</a:t>
             </a:fld>
             <a:endParaRPr lang="it-IT"/>
           </a:p>
@@ -2091,7 +2091,7 @@
           <a:p>
             <a:fld id="{28E7F674-603F-41F3-934F-DEBA0B6F74B4}" type="datetimeFigureOut">
               <a:rPr lang="it-IT" smtClean="0"/>
-              <a:t>25/03/2022</a:t>
+              <a:t>31/03/2022</a:t>
             </a:fld>
             <a:endParaRPr lang="it-IT"/>
           </a:p>
@@ -2404,7 +2404,7 @@
           <a:p>
             <a:fld id="{28E7F674-603F-41F3-934F-DEBA0B6F74B4}" type="datetimeFigureOut">
               <a:rPr lang="it-IT" smtClean="0"/>
-              <a:t>25/03/2022</a:t>
+              <a:t>31/03/2022</a:t>
             </a:fld>
             <a:endParaRPr lang="it-IT"/>
           </a:p>
@@ -2693,7 +2693,7 @@
           <a:p>
             <a:fld id="{28E7F674-603F-41F3-934F-DEBA0B6F74B4}" type="datetimeFigureOut">
               <a:rPr lang="it-IT" smtClean="0"/>
-              <a:t>25/03/2022</a:t>
+              <a:t>31/03/2022</a:t>
             </a:fld>
             <a:endParaRPr lang="it-IT"/>
           </a:p>
@@ -2936,7 +2936,7 @@
           <a:p>
             <a:fld id="{28E7F674-603F-41F3-934F-DEBA0B6F74B4}" type="datetimeFigureOut">
               <a:rPr lang="it-IT" smtClean="0"/>
-              <a:t>25/03/2022</a:t>
+              <a:t>31/03/2022</a:t>
             </a:fld>
             <a:endParaRPr lang="it-IT"/>
           </a:p>
@@ -5816,8 +5816,80 @@
         </p:blipFill>
         <p:spPr>
           <a:xfrm>
-            <a:off x="7281272" y="-10142"/>
+            <a:off x="7119457" y="-10142"/>
             <a:ext cx="1664226" cy="6858000"/>
+          </a:xfrm>
+          <a:prstGeom prst="rect">
+            <a:avLst/>
+          </a:prstGeom>
+        </p:spPr>
+      </p:pic>
+      <p:pic>
+        <p:nvPicPr>
+          <p:cNvPr id="7" name="Immagine 6" descr="Immagine che contiene testo&#10;&#10;Descrizione generata automaticamente">
+            <a:extLst>
+              <a:ext uri="{FF2B5EF4-FFF2-40B4-BE49-F238E27FC236}">
+                <a16:creationId xmlns:a16="http://schemas.microsoft.com/office/drawing/2014/main" id="{02A1C6D2-C80E-49A3-BE8F-35B43DCBDA68}"/>
+              </a:ext>
+            </a:extLst>
+          </p:cNvPr>
+          <p:cNvPicPr>
+            <a:picLocks noChangeAspect="1"/>
+          </p:cNvPicPr>
+          <p:nvPr/>
+        </p:nvPicPr>
+        <p:blipFill>
+          <a:blip r:embed="rId3">
+            <a:extLst>
+              <a:ext uri="{28A0092B-C50C-407E-A947-70E740481C1C}">
+                <a14:useLocalDpi xmlns:a14="http://schemas.microsoft.com/office/drawing/2010/main" val="0"/>
+              </a:ext>
+            </a:extLst>
+          </a:blip>
+          <a:stretch>
+            <a:fillRect/>
+          </a:stretch>
+        </p:blipFill>
+        <p:spPr>
+          <a:xfrm>
+            <a:off x="4367695" y="137756"/>
+            <a:ext cx="2437006" cy="6602763"/>
+          </a:xfrm>
+          <a:prstGeom prst="rect">
+            <a:avLst/>
+          </a:prstGeom>
+        </p:spPr>
+      </p:pic>
+      <p:pic>
+        <p:nvPicPr>
+          <p:cNvPr id="11" name="Immagine 10">
+            <a:extLst>
+              <a:ext uri="{FF2B5EF4-FFF2-40B4-BE49-F238E27FC236}">
+                <a16:creationId xmlns:a16="http://schemas.microsoft.com/office/drawing/2014/main" id="{1CA157B3-ED8E-4648-9F5A-A388C0C891C6}"/>
+              </a:ext>
+            </a:extLst>
+          </p:cNvPr>
+          <p:cNvPicPr>
+            <a:picLocks noChangeAspect="1"/>
+          </p:cNvPicPr>
+          <p:nvPr/>
+        </p:nvPicPr>
+        <p:blipFill>
+          <a:blip r:embed="rId4">
+            <a:extLst>
+              <a:ext uri="{28A0092B-C50C-407E-A947-70E740481C1C}">
+                <a14:useLocalDpi xmlns:a14="http://schemas.microsoft.com/office/drawing/2010/main" val="0"/>
+              </a:ext>
+            </a:extLst>
+          </a:blip>
+          <a:stretch>
+            <a:fillRect/>
+          </a:stretch>
+        </p:blipFill>
+        <p:spPr>
+          <a:xfrm>
+            <a:off x="9055225" y="117476"/>
+            <a:ext cx="3024000" cy="6602763"/>
           </a:xfrm>
           <a:prstGeom prst="rect">
             <a:avLst/>
